--- a/ravendb.pptx
+++ b/ravendb.pptx
@@ -636,8 +636,17 @@
           <a:p>
             <a:r>
               <a:rPr lang="nb-NO" baseline="0" dirty="0" smtClean="0"/>
-              <a:t>Bygd for skalering – replikering og sharding (horisontal replikering) ut-av-boksen</a:t>
-            </a:r>
+              <a:t>Bygd for skalering – replikering og sharding (horisontal replikering</a:t>
+            </a:r>
+            <a:r>
+              <a:rPr lang="nb-NO" baseline="0" smtClean="0"/>
+              <a:t>) </a:t>
+            </a:r>
+            <a:r>
+              <a:rPr lang="nb-NO" baseline="0" smtClean="0"/>
+              <a:t>ut-av-boksen </a:t>
+            </a:r>
+            <a:endParaRPr lang="nb-NO" baseline="0" dirty="0" smtClean="0"/>
           </a:p>
         </p:txBody>
       </p:sp>

--- a/ravendb.pptx
+++ b/ravendb.pptx
@@ -921,11 +921,7 @@
             </a:r>
             <a:r>
               <a:rPr lang="nb-NO" baseline="0" dirty="0" smtClean="0"/>
-              <a:t> Create an abstract controller with ability to handle session creations and teardown</a:t>
-            </a:r>
-            <a:r>
-              <a:rPr lang="nb-NO" baseline="0" dirty="0" smtClean="0"/>
-              <a:t>.</a:t>
+              <a:t> Create an abstract controller with ability to handle session creations and teardown.</a:t>
             </a:r>
           </a:p>
           <a:p>
@@ -10979,11 +10975,7 @@
             </a:pPr>
             <a:r>
               <a:rPr lang="nb-NO" sz="1700" dirty="0" smtClean="0"/>
-              <a:t>Add Raven Client from </a:t>
-            </a:r>
-            <a:r>
-              <a:rPr lang="nb-NO" sz="1700" dirty="0" smtClean="0"/>
-              <a:t>Nuget (</a:t>
+              <a:t>Add Raven Client from Nuget (</a:t>
             </a:r>
             <a:r>
               <a:rPr lang="nb-NO" sz="1400" dirty="0">
@@ -11016,11 +11008,7 @@
             </a:pPr>
             <a:r>
               <a:rPr lang="nb-NO" sz="1700" dirty="0" smtClean="0"/>
-              <a:t>Add Raven Server from </a:t>
-            </a:r>
-            <a:r>
-              <a:rPr lang="nb-NO" sz="1700" dirty="0" smtClean="0"/>
-              <a:t>Nuget (</a:t>
+              <a:t>Add Raven Server from Nuget (</a:t>
             </a:r>
             <a:r>
               <a:rPr lang="nb-NO" sz="1400" dirty="0">
@@ -11032,7 +11020,6 @@
               <a:rPr lang="nb-NO" sz="1700" dirty="0" smtClean="0"/>
               <a:t>)</a:t>
             </a:r>
-            <a:endParaRPr lang="nb-NO" sz="1700" dirty="0" smtClean="0"/>
           </a:p>
           <a:p>
             <a:pPr marL="800100" lvl="1" indent="-342900">
@@ -11047,11 +11034,7 @@
             </a:pPr>
             <a:r>
               <a:rPr lang="nb-NO" sz="1600" dirty="0" smtClean="0"/>
-              <a:t>Start </a:t>
-            </a:r>
-            <a:r>
-              <a:rPr lang="nb-NO" sz="1600" dirty="0" smtClean="0"/>
-              <a:t>Raven server from: packages/Raven Server &lt;version&gt;/tools/Raven.Server.exe</a:t>
+              <a:t>Start Raven server from: packages/Raven Server &lt;version&gt;/tools/Raven.Server.exe</a:t>
             </a:r>
             <a:endParaRPr lang="nb-NO" sz="1600" dirty="0"/>
           </a:p>

--- a/ravendb.pptx
+++ b/ravendb.pptx
@@ -551,11 +551,7 @@
           <a:p>
             <a:r>
               <a:rPr lang="nb-NO" baseline="0" dirty="0" smtClean="0"/>
-              <a:t>Er det slik at vi alltid velger relasjonsdatabase fordi det er det vi er vandt til</a:t>
-            </a:r>
-            <a:r>
-              <a:rPr lang="nb-NO" baseline="0" dirty="0" smtClean="0"/>
-              <a:t>?</a:t>
+              <a:t>Er det slik at vi alltid velger relasjonsdatabase fordi det er det vi er vandt til?</a:t>
             </a:r>
           </a:p>
         </p:txBody>
@@ -765,7 +761,12 @@
             <p:ph type="sldImg"/>
           </p:nvPr>
         </p:nvSpPr>
-        <p:spPr/>
+        <p:spPr>
+          <a:xfrm>
+            <a:off x="827088" y="592138"/>
+            <a:ext cx="5226050" cy="3919537"/>
+          </a:xfrm>
+        </p:spPr>
       </p:sp>
       <p:sp>
         <p:nvSpPr>
@@ -920,7 +921,17 @@
             </a:r>
             <a:r>
               <a:rPr lang="nb-NO" baseline="0" dirty="0" smtClean="0"/>
-              <a:t> Create an abstract controller with ability to handle session creations and teardown.</a:t>
+              <a:t> Create an abstract controller with ability to handle session creations and teardown</a:t>
+            </a:r>
+            <a:r>
+              <a:rPr lang="nb-NO" baseline="0" dirty="0" smtClean="0"/>
+              <a:t>.</a:t>
+            </a:r>
+          </a:p>
+          <a:p>
+            <a:r>
+              <a:rPr lang="nb-NO" baseline="0" smtClean="0"/>
+              <a:t>Tip #3: Objects should have an Id property</a:t>
             </a:r>
             <a:endParaRPr lang="nb-NO" dirty="0"/>
           </a:p>
@@ -10927,7 +10938,7 @@
         <p:spPr>
           <a:xfrm>
             <a:off x="321623" y="1409700"/>
-            <a:ext cx="8586005" cy="2375009"/>
+            <a:ext cx="8574783" cy="1508105"/>
           </a:xfrm>
           <a:prstGeom prst="rect">
             <a:avLst/>
@@ -10968,8 +10979,29 @@
             </a:pPr>
             <a:r>
               <a:rPr lang="nb-NO" sz="1700" dirty="0" smtClean="0"/>
-              <a:t>Add Raven Client from Nuget</a:t>
-            </a:r>
+              <a:t>Add Raven Client from </a:t>
+            </a:r>
+            <a:r>
+              <a:rPr lang="nb-NO" sz="1700" dirty="0" smtClean="0"/>
+              <a:t>Nuget (</a:t>
+            </a:r>
+            <a:r>
+              <a:rPr lang="nb-NO" sz="1400" dirty="0">
+                <a:latin typeface="Lucida Console" panose="020B0609040504020204" pitchFamily="49" charset="0"/>
+              </a:rPr>
+              <a:t>Install-package </a:t>
+            </a:r>
+            <a:r>
+              <a:rPr lang="nb-NO" sz="1400" dirty="0" smtClean="0">
+                <a:latin typeface="Lucida Console" panose="020B0609040504020204" pitchFamily="49" charset="0"/>
+              </a:rPr>
+              <a:t>RavenDB.Client</a:t>
+            </a:r>
+            <a:r>
+              <a:rPr lang="nb-NO" sz="1600" dirty="0" smtClean="0"/>
+              <a:t>)</a:t>
+            </a:r>
+            <a:endParaRPr lang="nb-NO" sz="1700" dirty="0" smtClean="0"/>
           </a:p>
           <a:p>
             <a:pPr marL="342900" indent="-342900">
@@ -10984,8 +11016,23 @@
             </a:pPr>
             <a:r>
               <a:rPr lang="nb-NO" sz="1700" dirty="0" smtClean="0"/>
-              <a:t>Add Raven Server from Nuget</a:t>
-            </a:r>
+              <a:t>Add Raven Server from </a:t>
+            </a:r>
+            <a:r>
+              <a:rPr lang="nb-NO" sz="1700" dirty="0" smtClean="0"/>
+              <a:t>Nuget (</a:t>
+            </a:r>
+            <a:r>
+              <a:rPr lang="nb-NO" sz="1400" dirty="0">
+                <a:latin typeface="Lucida Console" panose="020B0609040504020204" pitchFamily="49" charset="0"/>
+              </a:rPr>
+              <a:t>Install-package RavenDB.Server</a:t>
+            </a:r>
+            <a:r>
+              <a:rPr lang="nb-NO" sz="1700" dirty="0" smtClean="0"/>
+              <a:t>)</a:t>
+            </a:r>
+            <a:endParaRPr lang="nb-NO" sz="1700" dirty="0" smtClean="0"/>
           </a:p>
           <a:p>
             <a:pPr marL="800100" lvl="1" indent="-342900">
@@ -11000,46 +11047,11 @@
             </a:pPr>
             <a:r>
               <a:rPr lang="nb-NO" sz="1600" dirty="0" smtClean="0"/>
-              <a:t>Section «Raven/AnonymousAccess» in </a:t>
-            </a:r>
-            <a:br>
+              <a:t>Start </a:t>
+            </a:r>
+            <a:r>
               <a:rPr lang="nb-NO" sz="1600" dirty="0" smtClean="0"/>
-            </a:br>
-            <a:r>
-              <a:rPr lang="nb-NO" sz="1600" dirty="0" smtClean="0"/>
-              <a:t>packages/Raven </a:t>
-            </a:r>
-            <a:r>
-              <a:rPr lang="nb-NO" sz="1600" dirty="0"/>
-              <a:t>Server &lt;version&gt;/</a:t>
-            </a:r>
-            <a:r>
-              <a:rPr lang="nb-NO" sz="1600" dirty="0" smtClean="0"/>
-              <a:t>tools/Raven.Server.exe.config should have value</a:t>
-            </a:r>
-            <a:br>
-              <a:rPr lang="nb-NO" sz="1600" dirty="0" smtClean="0"/>
-            </a:br>
-            <a:r>
-              <a:rPr lang="nb-NO" sz="1600" dirty="0" smtClean="0"/>
-              <a:t>«All».</a:t>
-            </a:r>
-            <a:endParaRPr lang="nb-NO" sz="1600" dirty="0"/>
-          </a:p>
-          <a:p>
-            <a:pPr marL="800100" lvl="1" indent="-342900">
-              <a:spcBef>
-                <a:spcPts val="600"/>
-              </a:spcBef>
-              <a:spcAft>
-                <a:spcPts val="400"/>
-              </a:spcAft>
-              <a:buFont typeface="+mj-lt"/>
-              <a:buAutoNum type="arabicPeriod"/>
-            </a:pPr>
-            <a:r>
-              <a:rPr lang="nb-NO" sz="1600" dirty="0" smtClean="0"/>
-              <a:t>Start Raven server from: packages/Raven Server &lt;version&gt;/tools/Raven.Server.exe</a:t>
+              <a:t>Raven server from: packages/Raven Server &lt;version&gt;/tools/Raven.Server.exe</a:t>
             </a:r>
             <a:endParaRPr lang="nb-NO" sz="1600" dirty="0"/>
           </a:p>

--- a/ravendb.pptx
+++ b/ravendb.pptx
@@ -5,10 +5,10 @@
     <p:sldMasterId id="2147483648" r:id="rId1"/>
   </p:sldMasterIdLst>
   <p:notesMasterIdLst>
-    <p:notesMasterId r:id="rId12"/>
+    <p:notesMasterId r:id="rId15"/>
   </p:notesMasterIdLst>
   <p:handoutMasterIdLst>
-    <p:handoutMasterId r:id="rId13"/>
+    <p:handoutMasterId r:id="rId16"/>
   </p:handoutMasterIdLst>
   <p:sldIdLst>
     <p:sldId id="256" r:id="rId2"/>
@@ -19,8 +19,11 @@
     <p:sldId id="271" r:id="rId7"/>
     <p:sldId id="272" r:id="rId8"/>
     <p:sldId id="273" r:id="rId9"/>
-    <p:sldId id="274" r:id="rId10"/>
-    <p:sldId id="266" r:id="rId11"/>
+    <p:sldId id="275" r:id="rId10"/>
+    <p:sldId id="276" r:id="rId11"/>
+    <p:sldId id="277" r:id="rId12"/>
+    <p:sldId id="274" r:id="rId13"/>
+    <p:sldId id="266" r:id="rId14"/>
   </p:sldIdLst>
   <p:sldSz cx="9144000" cy="6858000" type="screen4x3"/>
   <p:notesSz cx="6858000" cy="9144000"/>
@@ -132,6 +135,9 @@
             <p14:sldId id="271"/>
             <p14:sldId id="272"/>
             <p14:sldId id="273"/>
+            <p14:sldId id="275"/>
+            <p14:sldId id="276"/>
+            <p14:sldId id="277"/>
             <p14:sldId id="274"/>
             <p14:sldId id="266"/>
           </p14:sldIdLst>
@@ -921,11 +927,7 @@
             </a:r>
             <a:r>
               <a:rPr lang="nb-NO" baseline="0" dirty="0" smtClean="0"/>
-              <a:t> Create an abstract controller with ability to handle session creations and teardown</a:t>
-            </a:r>
-            <a:r>
-              <a:rPr lang="nb-NO" baseline="0" dirty="0" smtClean="0"/>
-              <a:t>.</a:t>
+              <a:t> Create an abstract controller with ability to handle session creations and teardown.</a:t>
             </a:r>
           </a:p>
           <a:p>
@@ -10232,6 +10234,1379 @@
       </p:grpSpPr>
       <p:sp>
         <p:nvSpPr>
+          <p:cNvPr id="2" name="Title 1"/>
+          <p:cNvSpPr>
+            <a:spLocks noGrp="1"/>
+          </p:cNvSpPr>
+          <p:nvPr>
+            <p:ph type="title"/>
+          </p:nvPr>
+        </p:nvSpPr>
+        <p:spPr>
+          <a:xfrm>
+            <a:off x="321623" y="418905"/>
+            <a:ext cx="3300904" cy="307777"/>
+          </a:xfrm>
+        </p:spPr>
+        <p:txBody>
+          <a:bodyPr/>
+          <a:lstStyle/>
+          <a:p>
+            <a:r>
+              <a:rPr lang="nb-NO" dirty="0" smtClean="0"/>
+              <a:t>Separate class index</a:t>
+            </a:r>
+            <a:endParaRPr lang="nb-NO" dirty="0"/>
+          </a:p>
+        </p:txBody>
+      </p:sp>
+      <p:sp>
+        <p:nvSpPr>
+          <p:cNvPr id="3" name="Slide Number Placeholder 2"/>
+          <p:cNvSpPr>
+            <a:spLocks noGrp="1"/>
+          </p:cNvSpPr>
+          <p:nvPr>
+            <p:ph type="sldNum" sz="quarter" idx="10"/>
+          </p:nvPr>
+        </p:nvSpPr>
+        <p:spPr/>
+        <p:txBody>
+          <a:bodyPr/>
+          <a:lstStyle/>
+          <a:p>
+            <a:fld id="{FF67BF5B-7344-D747-A0C2-CBD7B2ACBC85}" type="slidenum">
+              <a:rPr lang="en-US" smtClean="0"/>
+              <a:pPr/>
+              <a:t>10</a:t>
+            </a:fld>
+            <a:endParaRPr lang="en-US" dirty="0"/>
+          </a:p>
+        </p:txBody>
+      </p:sp>
+      <p:sp>
+        <p:nvSpPr>
+          <p:cNvPr id="5" name="TextBox 4"/>
+          <p:cNvSpPr txBox="1"/>
+          <p:nvPr/>
+        </p:nvSpPr>
+        <p:spPr>
+          <a:xfrm>
+            <a:off x="321622" y="1209675"/>
+            <a:ext cx="8409685" cy="4308872"/>
+          </a:xfrm>
+          <a:prstGeom prst="rect">
+            <a:avLst/>
+          </a:prstGeom>
+          <a:noFill/>
+          <a:ln>
+            <a:solidFill>
+              <a:schemeClr val="accent1"/>
+            </a:solidFill>
+          </a:ln>
+        </p:spPr>
+        <p:txBody>
+          <a:bodyPr wrap="square" rtlCol="0">
+            <a:spAutoFit/>
+          </a:bodyPr>
+          <a:lstStyle/>
+          <a:p>
+            <a:r>
+              <a:rPr lang="en-US" sz="1400" dirty="0">
+                <a:solidFill>
+                  <a:srgbClr val="0000FF"/>
+                </a:solidFill>
+                <a:highlight>
+                  <a:srgbClr val="FFFFFF"/>
+                </a:highlight>
+                <a:latin typeface="Consolas" panose="020B0609020204030204" pitchFamily="49" charset="0"/>
+              </a:rPr>
+              <a:t>public</a:t>
+            </a:r>
+            <a:r>
+              <a:rPr lang="en-US" sz="1400" dirty="0">
+                <a:solidFill>
+                  <a:srgbClr val="000000"/>
+                </a:solidFill>
+                <a:highlight>
+                  <a:srgbClr val="FFFFFF"/>
+                </a:highlight>
+                <a:latin typeface="Consolas" panose="020B0609020204030204" pitchFamily="49" charset="0"/>
+              </a:rPr>
+              <a:t> </a:t>
+            </a:r>
+            <a:r>
+              <a:rPr lang="en-US" sz="1400" dirty="0">
+                <a:solidFill>
+                  <a:srgbClr val="0000FF"/>
+                </a:solidFill>
+                <a:highlight>
+                  <a:srgbClr val="FFFFFF"/>
+                </a:highlight>
+                <a:latin typeface="Consolas" panose="020B0609020204030204" pitchFamily="49" charset="0"/>
+              </a:rPr>
+              <a:t>class</a:t>
+            </a:r>
+            <a:r>
+              <a:rPr lang="en-US" sz="1400" dirty="0">
+                <a:solidFill>
+                  <a:srgbClr val="000000"/>
+                </a:solidFill>
+                <a:highlight>
+                  <a:srgbClr val="FFFFFF"/>
+                </a:highlight>
+                <a:latin typeface="Consolas" panose="020B0609020204030204" pitchFamily="49" charset="0"/>
+              </a:rPr>
+              <a:t> </a:t>
+            </a:r>
+            <a:r>
+              <a:rPr lang="en-US" sz="1400" dirty="0" err="1">
+                <a:solidFill>
+                  <a:srgbClr val="2B91AF"/>
+                </a:solidFill>
+                <a:highlight>
+                  <a:srgbClr val="FFFFFF"/>
+                </a:highlight>
+                <a:latin typeface="Consolas" panose="020B0609020204030204" pitchFamily="49" charset="0"/>
+              </a:rPr>
+              <a:t>Employees_ByDepartmentName</a:t>
+            </a:r>
+            <a:r>
+              <a:rPr lang="en-US" sz="1400" dirty="0">
+                <a:solidFill>
+                  <a:srgbClr val="000000"/>
+                </a:solidFill>
+                <a:highlight>
+                  <a:srgbClr val="FFFFFF"/>
+                </a:highlight>
+                <a:latin typeface="Consolas" panose="020B0609020204030204" pitchFamily="49" charset="0"/>
+              </a:rPr>
+              <a:t> : </a:t>
+            </a:r>
+            <a:r>
+              <a:rPr lang="en-US" sz="1400" dirty="0" err="1" smtClean="0">
+                <a:solidFill>
+                  <a:srgbClr val="2B91AF"/>
+                </a:solidFill>
+                <a:highlight>
+                  <a:srgbClr val="FFFFFF"/>
+                </a:highlight>
+                <a:latin typeface="Consolas" panose="020B0609020204030204" pitchFamily="49" charset="0"/>
+              </a:rPr>
+              <a:t>AbstractIndexCreationTask</a:t>
+            </a:r>
+            <a:r>
+              <a:rPr lang="en-US" sz="1400" dirty="0" smtClean="0">
+                <a:solidFill>
+                  <a:srgbClr val="000000"/>
+                </a:solidFill>
+                <a:highlight>
+                  <a:srgbClr val="FFFFFF"/>
+                </a:highlight>
+                <a:latin typeface="Consolas" panose="020B0609020204030204" pitchFamily="49" charset="0"/>
+              </a:rPr>
+              <a:t>&lt;</a:t>
+            </a:r>
+            <a:r>
+              <a:rPr lang="en-US" sz="1400" dirty="0" smtClean="0">
+                <a:solidFill>
+                  <a:srgbClr val="2B91AF"/>
+                </a:solidFill>
+                <a:highlight>
+                  <a:srgbClr val="FFFFFF"/>
+                </a:highlight>
+                <a:latin typeface="Consolas" panose="020B0609020204030204" pitchFamily="49" charset="0"/>
+              </a:rPr>
+              <a:t>Employee</a:t>
+            </a:r>
+            <a:r>
+              <a:rPr lang="en-US" sz="1400" dirty="0">
+                <a:solidFill>
+                  <a:srgbClr val="000000"/>
+                </a:solidFill>
+                <a:highlight>
+                  <a:srgbClr val="FFFFFF"/>
+                </a:highlight>
+                <a:latin typeface="Consolas" panose="020B0609020204030204" pitchFamily="49" charset="0"/>
+              </a:rPr>
+              <a:t>, </a:t>
+            </a:r>
+            <a:r>
+              <a:rPr lang="en-US" sz="1400" dirty="0" err="1" smtClean="0">
+                <a:solidFill>
+                  <a:srgbClr val="2B91AF"/>
+                </a:solidFill>
+                <a:highlight>
+                  <a:srgbClr val="FFFFFF"/>
+                </a:highlight>
+                <a:latin typeface="Consolas" panose="020B0609020204030204" pitchFamily="49" charset="0"/>
+              </a:rPr>
+              <a:t>Employees_ByDepartmentName</a:t>
+            </a:r>
+            <a:r>
+              <a:rPr lang="en-US" sz="1400" dirty="0" err="1" smtClean="0">
+                <a:solidFill>
+                  <a:srgbClr val="000000"/>
+                </a:solidFill>
+                <a:highlight>
+                  <a:srgbClr val="FFFFFF"/>
+                </a:highlight>
+                <a:latin typeface="Consolas" panose="020B0609020204030204" pitchFamily="49" charset="0"/>
+              </a:rPr>
+              <a:t>.</a:t>
+            </a:r>
+            <a:r>
+              <a:rPr lang="en-US" sz="1400" dirty="0" err="1" smtClean="0">
+                <a:solidFill>
+                  <a:srgbClr val="2B91AF"/>
+                </a:solidFill>
+                <a:highlight>
+                  <a:srgbClr val="FFFFFF"/>
+                </a:highlight>
+                <a:latin typeface="Consolas" panose="020B0609020204030204" pitchFamily="49" charset="0"/>
+              </a:rPr>
+              <a:t>ReduceResult</a:t>
+            </a:r>
+            <a:r>
+              <a:rPr lang="en-US" sz="1400" dirty="0" smtClean="0">
+                <a:solidFill>
+                  <a:srgbClr val="000000"/>
+                </a:solidFill>
+                <a:highlight>
+                  <a:srgbClr val="FFFFFF"/>
+                </a:highlight>
+                <a:latin typeface="Consolas" panose="020B0609020204030204" pitchFamily="49" charset="0"/>
+              </a:rPr>
+              <a:t>&gt;</a:t>
+            </a:r>
+          </a:p>
+          <a:p>
+            <a:r>
+              <a:rPr lang="en-US" sz="1400" dirty="0" smtClean="0">
+                <a:solidFill>
+                  <a:srgbClr val="000000"/>
+                </a:solidFill>
+                <a:highlight>
+                  <a:srgbClr val="FFFFFF"/>
+                </a:highlight>
+                <a:latin typeface="Consolas" panose="020B0609020204030204" pitchFamily="49" charset="0"/>
+              </a:rPr>
+              <a:t>{</a:t>
+            </a:r>
+          </a:p>
+          <a:p>
+            <a:r>
+              <a:rPr lang="en-US" sz="1400" dirty="0" smtClean="0">
+                <a:solidFill>
+                  <a:srgbClr val="000000"/>
+                </a:solidFill>
+                <a:highlight>
+                  <a:srgbClr val="FFFFFF"/>
+                </a:highlight>
+                <a:latin typeface="Consolas" panose="020B0609020204030204" pitchFamily="49" charset="0"/>
+              </a:rPr>
+              <a:t>	</a:t>
+            </a:r>
+            <a:r>
+              <a:rPr lang="nb-NO" sz="1400" dirty="0">
+                <a:solidFill>
+                  <a:srgbClr val="0000FF"/>
+                </a:solidFill>
+                <a:highlight>
+                  <a:srgbClr val="FFFFFF"/>
+                </a:highlight>
+                <a:latin typeface="Consolas" panose="020B0609020204030204" pitchFamily="49" charset="0"/>
+              </a:rPr>
+              <a:t>public</a:t>
+            </a:r>
+            <a:r>
+              <a:rPr lang="nb-NO" sz="1400" dirty="0">
+                <a:solidFill>
+                  <a:srgbClr val="000000"/>
+                </a:solidFill>
+                <a:highlight>
+                  <a:srgbClr val="FFFFFF"/>
+                </a:highlight>
+                <a:latin typeface="Consolas" panose="020B0609020204030204" pitchFamily="49" charset="0"/>
+              </a:rPr>
+              <a:t> </a:t>
+            </a:r>
+            <a:r>
+              <a:rPr lang="nb-NO" sz="1400" dirty="0">
+                <a:solidFill>
+                  <a:srgbClr val="0000FF"/>
+                </a:solidFill>
+                <a:highlight>
+                  <a:srgbClr val="FFFFFF"/>
+                </a:highlight>
+                <a:latin typeface="Consolas" panose="020B0609020204030204" pitchFamily="49" charset="0"/>
+              </a:rPr>
+              <a:t>class</a:t>
+            </a:r>
+            <a:r>
+              <a:rPr lang="nb-NO" sz="1400" dirty="0">
+                <a:solidFill>
+                  <a:srgbClr val="000000"/>
+                </a:solidFill>
+                <a:highlight>
+                  <a:srgbClr val="FFFFFF"/>
+                </a:highlight>
+                <a:latin typeface="Consolas" panose="020B0609020204030204" pitchFamily="49" charset="0"/>
+              </a:rPr>
+              <a:t> </a:t>
+            </a:r>
+            <a:r>
+              <a:rPr lang="nb-NO" sz="1400" dirty="0">
+                <a:solidFill>
+                  <a:srgbClr val="2B91AF"/>
+                </a:solidFill>
+                <a:highlight>
+                  <a:srgbClr val="FFFFFF"/>
+                </a:highlight>
+                <a:latin typeface="Consolas" panose="020B0609020204030204" pitchFamily="49" charset="0"/>
+              </a:rPr>
+              <a:t>ReduceResult</a:t>
+            </a:r>
+            <a:endParaRPr lang="nb-NO" sz="1400" dirty="0">
+              <a:solidFill>
+                <a:srgbClr val="000000"/>
+              </a:solidFill>
+              <a:highlight>
+                <a:srgbClr val="FFFFFF"/>
+              </a:highlight>
+              <a:latin typeface="Consolas" panose="020B0609020204030204" pitchFamily="49" charset="0"/>
+            </a:endParaRPr>
+          </a:p>
+          <a:p>
+            <a:r>
+              <a:rPr lang="nb-NO" sz="1400" dirty="0">
+                <a:solidFill>
+                  <a:srgbClr val="000000"/>
+                </a:solidFill>
+                <a:highlight>
+                  <a:srgbClr val="FFFFFF"/>
+                </a:highlight>
+                <a:latin typeface="Consolas" panose="020B0609020204030204" pitchFamily="49" charset="0"/>
+              </a:rPr>
+              <a:t>     </a:t>
+            </a:r>
+            <a:r>
+              <a:rPr lang="nb-NO" sz="1400" dirty="0" smtClean="0">
+                <a:solidFill>
+                  <a:srgbClr val="000000"/>
+                </a:solidFill>
+                <a:highlight>
+                  <a:srgbClr val="FFFFFF"/>
+                </a:highlight>
+                <a:latin typeface="Consolas" panose="020B0609020204030204" pitchFamily="49" charset="0"/>
+              </a:rPr>
+              <a:t>{</a:t>
+            </a:r>
+            <a:endParaRPr lang="nb-NO" sz="1400" dirty="0">
+              <a:solidFill>
+                <a:srgbClr val="000000"/>
+              </a:solidFill>
+              <a:highlight>
+                <a:srgbClr val="FFFFFF"/>
+              </a:highlight>
+              <a:latin typeface="Consolas" panose="020B0609020204030204" pitchFamily="49" charset="0"/>
+            </a:endParaRPr>
+          </a:p>
+          <a:p>
+            <a:r>
+              <a:rPr lang="nb-NO" sz="1400" dirty="0">
+                <a:solidFill>
+                  <a:srgbClr val="000000"/>
+                </a:solidFill>
+                <a:highlight>
+                  <a:srgbClr val="FFFFFF"/>
+                </a:highlight>
+                <a:latin typeface="Consolas" panose="020B0609020204030204" pitchFamily="49" charset="0"/>
+              </a:rPr>
+              <a:t>            </a:t>
+            </a:r>
+          </a:p>
+          <a:p>
+            <a:r>
+              <a:rPr lang="nb-NO" sz="1400" dirty="0">
+                <a:solidFill>
+                  <a:srgbClr val="000000"/>
+                </a:solidFill>
+                <a:highlight>
+                  <a:srgbClr val="FFFFFF"/>
+                </a:highlight>
+                <a:latin typeface="Consolas" panose="020B0609020204030204" pitchFamily="49" charset="0"/>
+              </a:rPr>
+              <a:t>     </a:t>
+            </a:r>
+            <a:r>
+              <a:rPr lang="nb-NO" sz="1400" dirty="0" smtClean="0">
+                <a:solidFill>
+                  <a:srgbClr val="000000"/>
+                </a:solidFill>
+                <a:highlight>
+                  <a:srgbClr val="FFFFFF"/>
+                </a:highlight>
+                <a:latin typeface="Consolas" panose="020B0609020204030204" pitchFamily="49" charset="0"/>
+              </a:rPr>
+              <a:t>}</a:t>
+            </a:r>
+          </a:p>
+          <a:p>
+            <a:endParaRPr lang="nb-NO" sz="1400" dirty="0">
+              <a:solidFill>
+                <a:srgbClr val="000000"/>
+              </a:solidFill>
+              <a:highlight>
+                <a:srgbClr val="FFFFFF"/>
+              </a:highlight>
+              <a:latin typeface="Consolas" panose="020B0609020204030204" pitchFamily="49" charset="0"/>
+            </a:endParaRPr>
+          </a:p>
+          <a:p>
+            <a:r>
+              <a:rPr lang="nb-NO" sz="1400" dirty="0" smtClean="0">
+                <a:solidFill>
+                  <a:srgbClr val="000000"/>
+                </a:solidFill>
+                <a:highlight>
+                  <a:srgbClr val="FFFFFF"/>
+                </a:highlight>
+                <a:latin typeface="Consolas" panose="020B0609020204030204" pitchFamily="49" charset="0"/>
+              </a:rPr>
+              <a:t>	</a:t>
+            </a:r>
+            <a:r>
+              <a:rPr lang="nb-NO" sz="1400" dirty="0">
+                <a:solidFill>
+                  <a:srgbClr val="0000FF"/>
+                </a:solidFill>
+                <a:highlight>
+                  <a:srgbClr val="FFFFFF"/>
+                </a:highlight>
+                <a:latin typeface="Consolas" panose="020B0609020204030204" pitchFamily="49" charset="0"/>
+              </a:rPr>
+              <a:t>public</a:t>
+            </a:r>
+            <a:r>
+              <a:rPr lang="nb-NO" sz="1400" dirty="0">
+                <a:solidFill>
+                  <a:srgbClr val="000000"/>
+                </a:solidFill>
+                <a:highlight>
+                  <a:srgbClr val="FFFFFF"/>
+                </a:highlight>
+                <a:latin typeface="Consolas" panose="020B0609020204030204" pitchFamily="49" charset="0"/>
+              </a:rPr>
+              <a:t> Department()</a:t>
+            </a:r>
+          </a:p>
+          <a:p>
+            <a:r>
+              <a:rPr lang="nb-NO" sz="1400" dirty="0">
+                <a:solidFill>
+                  <a:srgbClr val="000000"/>
+                </a:solidFill>
+                <a:highlight>
+                  <a:srgbClr val="FFFFFF"/>
+                </a:highlight>
+                <a:latin typeface="Consolas" panose="020B0609020204030204" pitchFamily="49" charset="0"/>
+              </a:rPr>
+              <a:t>     </a:t>
+            </a:r>
+            <a:r>
+              <a:rPr lang="nb-NO" sz="1400" dirty="0" smtClean="0">
+                <a:solidFill>
+                  <a:srgbClr val="000000"/>
+                </a:solidFill>
+                <a:highlight>
+                  <a:srgbClr val="FFFFFF"/>
+                </a:highlight>
+                <a:latin typeface="Consolas" panose="020B0609020204030204" pitchFamily="49" charset="0"/>
+              </a:rPr>
+              <a:t>{</a:t>
+            </a:r>
+            <a:endParaRPr lang="nb-NO" sz="1400" dirty="0">
+              <a:solidFill>
+                <a:srgbClr val="000000"/>
+              </a:solidFill>
+              <a:highlight>
+                <a:srgbClr val="FFFFFF"/>
+              </a:highlight>
+              <a:latin typeface="Consolas" panose="020B0609020204030204" pitchFamily="49" charset="0"/>
+            </a:endParaRPr>
+          </a:p>
+          <a:p>
+            <a:r>
+              <a:rPr lang="nb-NO" sz="1400" dirty="0" smtClean="0">
+                <a:solidFill>
+                  <a:srgbClr val="000000"/>
+                </a:solidFill>
+                <a:highlight>
+                  <a:srgbClr val="FFFFFF"/>
+                </a:highlight>
+                <a:latin typeface="Consolas" panose="020B0609020204030204" pitchFamily="49" charset="0"/>
+              </a:rPr>
+              <a:t>		Map = &lt;insert map function here&gt;,</a:t>
+            </a:r>
+          </a:p>
+          <a:p>
+            <a:r>
+              <a:rPr lang="nb-NO" sz="1400" dirty="0" smtClean="0">
+                <a:solidFill>
+                  <a:srgbClr val="000000"/>
+                </a:solidFill>
+                <a:highlight>
+                  <a:srgbClr val="FFFFFF"/>
+                </a:highlight>
+                <a:latin typeface="Consolas" panose="020B0609020204030204" pitchFamily="49" charset="0"/>
+              </a:rPr>
+              <a:t>		Reduce = &lt;insert reduce function here&gt;</a:t>
+            </a:r>
+            <a:endParaRPr lang="nb-NO" sz="1400" dirty="0">
+              <a:solidFill>
+                <a:srgbClr val="000000"/>
+              </a:solidFill>
+              <a:highlight>
+                <a:srgbClr val="FFFFFF"/>
+              </a:highlight>
+              <a:latin typeface="Consolas" panose="020B0609020204030204" pitchFamily="49" charset="0"/>
+            </a:endParaRPr>
+          </a:p>
+          <a:p>
+            <a:r>
+              <a:rPr lang="nb-NO" sz="1400" dirty="0">
+                <a:solidFill>
+                  <a:srgbClr val="000000"/>
+                </a:solidFill>
+                <a:highlight>
+                  <a:srgbClr val="FFFFFF"/>
+                </a:highlight>
+                <a:latin typeface="Consolas" panose="020B0609020204030204" pitchFamily="49" charset="0"/>
+              </a:rPr>
+              <a:t>     </a:t>
+            </a:r>
+            <a:r>
+              <a:rPr lang="nb-NO" sz="1400" dirty="0" smtClean="0">
+                <a:solidFill>
+                  <a:srgbClr val="000000"/>
+                </a:solidFill>
+                <a:highlight>
+                  <a:srgbClr val="FFFFFF"/>
+                </a:highlight>
+                <a:latin typeface="Consolas" panose="020B0609020204030204" pitchFamily="49" charset="0"/>
+              </a:rPr>
+              <a:t>}</a:t>
+            </a:r>
+            <a:endParaRPr lang="en-US" sz="1400" dirty="0" smtClean="0">
+              <a:solidFill>
+                <a:srgbClr val="000000"/>
+              </a:solidFill>
+              <a:highlight>
+                <a:srgbClr val="FFFFFF"/>
+              </a:highlight>
+              <a:latin typeface="Consolas" panose="020B0609020204030204" pitchFamily="49" charset="0"/>
+            </a:endParaRPr>
+          </a:p>
+          <a:p>
+            <a:r>
+              <a:rPr lang="en-US" sz="1400" dirty="0" smtClean="0">
+                <a:solidFill>
+                  <a:srgbClr val="000000"/>
+                </a:solidFill>
+                <a:highlight>
+                  <a:srgbClr val="FFFFFF"/>
+                </a:highlight>
+                <a:latin typeface="Consolas" panose="020B0609020204030204" pitchFamily="49" charset="0"/>
+              </a:rPr>
+              <a:t>}</a:t>
+            </a:r>
+            <a:endParaRPr lang="en-US" sz="1400" dirty="0">
+              <a:solidFill>
+                <a:srgbClr val="000000"/>
+              </a:solidFill>
+              <a:highlight>
+                <a:srgbClr val="FFFFFF"/>
+              </a:highlight>
+              <a:latin typeface="Consolas" panose="020B0609020204030204" pitchFamily="49" charset="0"/>
+            </a:endParaRPr>
+          </a:p>
+          <a:p>
+            <a:endParaRPr lang="en-US" sz="1400" dirty="0" smtClean="0">
+              <a:solidFill>
+                <a:srgbClr val="000000"/>
+              </a:solidFill>
+              <a:highlight>
+                <a:srgbClr val="FFFFFF"/>
+              </a:highlight>
+              <a:latin typeface="Consolas" panose="020B0609020204030204" pitchFamily="49" charset="0"/>
+            </a:endParaRPr>
+          </a:p>
+          <a:p>
+            <a:endParaRPr lang="en-US" sz="1400" dirty="0">
+              <a:solidFill>
+                <a:srgbClr val="000000"/>
+              </a:solidFill>
+              <a:highlight>
+                <a:srgbClr val="FFFFFF"/>
+              </a:highlight>
+              <a:latin typeface="Consolas" panose="020B0609020204030204" pitchFamily="49" charset="0"/>
+            </a:endParaRPr>
+          </a:p>
+          <a:p>
+            <a:r>
+              <a:rPr lang="nb-NO" sz="1400" dirty="0">
+                <a:solidFill>
+                  <a:srgbClr val="008000"/>
+                </a:solidFill>
+                <a:highlight>
+                  <a:srgbClr val="FFFFFF"/>
+                </a:highlight>
+                <a:latin typeface="Consolas" panose="020B0609020204030204" pitchFamily="49" charset="0"/>
+              </a:rPr>
+              <a:t>//</a:t>
+            </a:r>
+            <a:r>
+              <a:rPr lang="nb-NO" sz="1400" dirty="0" smtClean="0">
+                <a:solidFill>
+                  <a:srgbClr val="008000"/>
+                </a:solidFill>
+                <a:highlight>
+                  <a:srgbClr val="FFFFFF"/>
+                </a:highlight>
+                <a:latin typeface="Consolas" panose="020B0609020204030204" pitchFamily="49" charset="0"/>
+              </a:rPr>
+              <a:t>add the index</a:t>
+            </a:r>
+            <a:endParaRPr lang="en-US" sz="1400" dirty="0">
+              <a:solidFill>
+                <a:srgbClr val="000000"/>
+              </a:solidFill>
+              <a:highlight>
+                <a:srgbClr val="FFFFFF"/>
+              </a:highlight>
+              <a:latin typeface="Consolas" panose="020B0609020204030204" pitchFamily="49" charset="0"/>
+            </a:endParaRPr>
+          </a:p>
+          <a:p>
+            <a:r>
+              <a:rPr lang="nb-NO" sz="1400" dirty="0">
+                <a:solidFill>
+                  <a:srgbClr val="2B91AF"/>
+                </a:solidFill>
+                <a:highlight>
+                  <a:srgbClr val="FFFFFF"/>
+                </a:highlight>
+                <a:latin typeface="Consolas" panose="020B0609020204030204" pitchFamily="49" charset="0"/>
+              </a:rPr>
+              <a:t>IndexCreation</a:t>
+            </a:r>
+            <a:r>
+              <a:rPr lang="nb-NO" sz="1400" dirty="0">
+                <a:solidFill>
+                  <a:srgbClr val="000000"/>
+                </a:solidFill>
+                <a:highlight>
+                  <a:srgbClr val="FFFFFF"/>
+                </a:highlight>
+                <a:latin typeface="Consolas" panose="020B0609020204030204" pitchFamily="49" charset="0"/>
+              </a:rPr>
+              <a:t>.CreateIndexes(</a:t>
+            </a:r>
+            <a:r>
+              <a:rPr lang="nb-NO" sz="1400" dirty="0">
+                <a:solidFill>
+                  <a:srgbClr val="0000FF"/>
+                </a:solidFill>
+                <a:highlight>
+                  <a:srgbClr val="FFFFFF"/>
+                </a:highlight>
+                <a:latin typeface="Consolas" panose="020B0609020204030204" pitchFamily="49" charset="0"/>
+              </a:rPr>
+              <a:t>typeof</a:t>
+            </a:r>
+            <a:r>
+              <a:rPr lang="nb-NO" sz="1400" dirty="0">
+                <a:solidFill>
+                  <a:srgbClr val="000000"/>
+                </a:solidFill>
+                <a:highlight>
+                  <a:srgbClr val="FFFFFF"/>
+                </a:highlight>
+                <a:latin typeface="Consolas" panose="020B0609020204030204" pitchFamily="49" charset="0"/>
+              </a:rPr>
+              <a:t>(</a:t>
+            </a:r>
+            <a:r>
+              <a:rPr lang="nb-NO" sz="1400" dirty="0">
+                <a:solidFill>
+                  <a:srgbClr val="2B91AF"/>
+                </a:solidFill>
+                <a:highlight>
+                  <a:srgbClr val="FFFFFF"/>
+                </a:highlight>
+                <a:latin typeface="Consolas" panose="020B0609020204030204" pitchFamily="49" charset="0"/>
+              </a:rPr>
+              <a:t>Employees_ByDepartmentName</a:t>
+            </a:r>
+            <a:r>
+              <a:rPr lang="nb-NO" sz="1400" dirty="0">
+                <a:solidFill>
+                  <a:srgbClr val="000000"/>
+                </a:solidFill>
+                <a:highlight>
+                  <a:srgbClr val="FFFFFF"/>
+                </a:highlight>
+                <a:latin typeface="Consolas" panose="020B0609020204030204" pitchFamily="49" charset="0"/>
+              </a:rPr>
+              <a:t>).Assembly, </a:t>
+            </a:r>
+            <a:r>
+              <a:rPr lang="nb-NO" sz="1400" dirty="0">
+                <a:solidFill>
+                  <a:srgbClr val="0000FF"/>
+                </a:solidFill>
+                <a:highlight>
+                  <a:srgbClr val="FFFFFF"/>
+                </a:highlight>
+                <a:latin typeface="Consolas" panose="020B0609020204030204" pitchFamily="49" charset="0"/>
+              </a:rPr>
+              <a:t>null</a:t>
+            </a:r>
+            <a:r>
+              <a:rPr lang="nb-NO" sz="1400" dirty="0">
+                <a:solidFill>
+                  <a:srgbClr val="000000"/>
+                </a:solidFill>
+                <a:highlight>
+                  <a:srgbClr val="FFFFFF"/>
+                </a:highlight>
+                <a:latin typeface="Consolas" panose="020B0609020204030204" pitchFamily="49" charset="0"/>
+              </a:rPr>
+              <a:t>);</a:t>
+            </a:r>
+            <a:endParaRPr lang="nb-NO" sz="1400" dirty="0"/>
+          </a:p>
+          <a:p>
+            <a:pPr>
+              <a:spcBef>
+                <a:spcPts val="600"/>
+              </a:spcBef>
+              <a:spcAft>
+                <a:spcPts val="400"/>
+              </a:spcAft>
+            </a:pPr>
+            <a:endParaRPr lang="nb-NO" sz="1700" dirty="0" err="1" smtClean="0"/>
+          </a:p>
+        </p:txBody>
+      </p:sp>
+    </p:spTree>
+    <p:extLst>
+      <p:ext uri="{BB962C8B-B14F-4D97-AF65-F5344CB8AC3E}">
+        <p14:creationId xmlns:p14="http://schemas.microsoft.com/office/powerpoint/2010/main" val="2813477662"/>
+      </p:ext>
+    </p:extLst>
+  </p:cSld>
+  <p:clrMapOvr>
+    <a:masterClrMapping/>
+  </p:clrMapOvr>
+  <p:transition>
+    <p:fade thruBlk="1"/>
+  </p:transition>
+</p:sld>
+</file>
+
+<file path=ppt/slides/slide11.xml><?xml version="1.0" encoding="utf-8"?>
+<p:sld xmlns:a="http://schemas.openxmlformats.org/drawingml/2006/main" xmlns:r="http://schemas.openxmlformats.org/officeDocument/2006/relationships" xmlns:p="http://schemas.openxmlformats.org/presentationml/2006/main">
+  <p:cSld>
+    <p:spTree>
+      <p:nvGrpSpPr>
+        <p:cNvPr id="1" name=""/>
+        <p:cNvGrpSpPr/>
+        <p:nvPr/>
+      </p:nvGrpSpPr>
+      <p:grpSpPr>
+        <a:xfrm>
+          <a:off x="0" y="0"/>
+          <a:ext cx="0" cy="0"/>
+          <a:chOff x="0" y="0"/>
+          <a:chExt cx="0" cy="0"/>
+        </a:xfrm>
+      </p:grpSpPr>
+      <p:sp>
+        <p:nvSpPr>
+          <p:cNvPr id="2" name="Title 1"/>
+          <p:cNvSpPr>
+            <a:spLocks noGrp="1"/>
+          </p:cNvSpPr>
+          <p:nvPr>
+            <p:ph type="title"/>
+          </p:nvPr>
+        </p:nvSpPr>
+        <p:spPr>
+          <a:xfrm>
+            <a:off x="321623" y="418905"/>
+            <a:ext cx="1616789" cy="307777"/>
+          </a:xfrm>
+        </p:spPr>
+        <p:txBody>
+          <a:bodyPr/>
+          <a:lstStyle/>
+          <a:p>
+            <a:r>
+              <a:rPr lang="nb-NO" dirty="0" smtClean="0"/>
+              <a:t>Use INdex</a:t>
+            </a:r>
+            <a:endParaRPr lang="nb-NO" dirty="0"/>
+          </a:p>
+        </p:txBody>
+      </p:sp>
+      <p:sp>
+        <p:nvSpPr>
+          <p:cNvPr id="3" name="Slide Number Placeholder 2"/>
+          <p:cNvSpPr>
+            <a:spLocks noGrp="1"/>
+          </p:cNvSpPr>
+          <p:nvPr>
+            <p:ph type="sldNum" sz="quarter" idx="10"/>
+          </p:nvPr>
+        </p:nvSpPr>
+        <p:spPr/>
+        <p:txBody>
+          <a:bodyPr/>
+          <a:lstStyle/>
+          <a:p>
+            <a:fld id="{FF67BF5B-7344-D747-A0C2-CBD7B2ACBC85}" type="slidenum">
+              <a:rPr lang="en-US" smtClean="0"/>
+              <a:pPr/>
+              <a:t>11</a:t>
+            </a:fld>
+            <a:endParaRPr lang="en-US" dirty="0"/>
+          </a:p>
+        </p:txBody>
+      </p:sp>
+      <p:sp>
+        <p:nvSpPr>
+          <p:cNvPr id="5" name="TextBox 4"/>
+          <p:cNvSpPr txBox="1"/>
+          <p:nvPr/>
+        </p:nvSpPr>
+        <p:spPr>
+          <a:xfrm>
+            <a:off x="321622" y="1219199"/>
+            <a:ext cx="8409685" cy="1304925"/>
+          </a:xfrm>
+          <a:prstGeom prst="rect">
+            <a:avLst/>
+          </a:prstGeom>
+          <a:noFill/>
+          <a:ln>
+            <a:solidFill>
+              <a:schemeClr val="accent1"/>
+            </a:solidFill>
+          </a:ln>
+        </p:spPr>
+        <p:txBody>
+          <a:bodyPr wrap="square" rtlCol="0">
+            <a:noAutofit/>
+          </a:bodyPr>
+          <a:lstStyle/>
+          <a:p>
+            <a:endParaRPr lang="nb-NO" sz="1400" dirty="0" smtClean="0">
+              <a:solidFill>
+                <a:srgbClr val="0000FF"/>
+              </a:solidFill>
+              <a:highlight>
+                <a:srgbClr val="FFFFFF"/>
+              </a:highlight>
+              <a:latin typeface="Consolas" panose="020B0609020204030204" pitchFamily="49" charset="0"/>
+            </a:endParaRPr>
+          </a:p>
+          <a:p>
+            <a:endParaRPr lang="nb-NO" sz="1400" dirty="0">
+              <a:solidFill>
+                <a:srgbClr val="0000FF"/>
+              </a:solidFill>
+              <a:highlight>
+                <a:srgbClr val="FFFFFF"/>
+              </a:highlight>
+              <a:latin typeface="Consolas" panose="020B0609020204030204" pitchFamily="49" charset="0"/>
+            </a:endParaRPr>
+          </a:p>
+          <a:p>
+            <a:r>
+              <a:rPr lang="nb-NO" sz="1400" dirty="0" smtClean="0">
+                <a:solidFill>
+                  <a:srgbClr val="0000FF"/>
+                </a:solidFill>
+                <a:highlight>
+                  <a:srgbClr val="FFFFFF"/>
+                </a:highlight>
+                <a:latin typeface="Consolas" panose="020B0609020204030204" pitchFamily="49" charset="0"/>
+              </a:rPr>
+              <a:t>var</a:t>
+            </a:r>
+            <a:r>
+              <a:rPr lang="nb-NO" sz="1400" dirty="0" smtClean="0">
+                <a:solidFill>
+                  <a:srgbClr val="000000"/>
+                </a:solidFill>
+                <a:highlight>
+                  <a:srgbClr val="FFFFFF"/>
+                </a:highlight>
+                <a:latin typeface="Consolas" panose="020B0609020204030204" pitchFamily="49" charset="0"/>
+              </a:rPr>
+              <a:t> result = session.Query&lt;</a:t>
+            </a:r>
+            <a:r>
+              <a:rPr lang="nb-NO" sz="1400" dirty="0" smtClean="0">
+                <a:solidFill>
+                  <a:srgbClr val="2B91AF"/>
+                </a:solidFill>
+                <a:highlight>
+                  <a:srgbClr val="FFFFFF"/>
+                </a:highlight>
+                <a:latin typeface="Consolas" panose="020B0609020204030204" pitchFamily="49" charset="0"/>
+              </a:rPr>
+              <a:t>EmployeesByDepartment</a:t>
+            </a:r>
+            <a:r>
+              <a:rPr lang="nb-NO" sz="1400" dirty="0" smtClean="0">
+                <a:solidFill>
+                  <a:srgbClr val="000000"/>
+                </a:solidFill>
+                <a:highlight>
+                  <a:srgbClr val="FFFFFF"/>
+                </a:highlight>
+                <a:latin typeface="Consolas" panose="020B0609020204030204" pitchFamily="49" charset="0"/>
+              </a:rPr>
+              <a:t>&gt;(</a:t>
+            </a:r>
+            <a:r>
+              <a:rPr lang="nb-NO" sz="1400" dirty="0">
+                <a:solidFill>
+                  <a:srgbClr val="A31515"/>
+                </a:solidFill>
+                <a:highlight>
+                  <a:srgbClr val="FFFFFF"/>
+                </a:highlight>
+                <a:latin typeface="Consolas" panose="020B0609020204030204" pitchFamily="49" charset="0"/>
+              </a:rPr>
+              <a:t>"Employees/ByDepartmentName</a:t>
+            </a:r>
+            <a:r>
+              <a:rPr lang="nb-NO" sz="1400" dirty="0" smtClean="0">
+                <a:solidFill>
+                  <a:srgbClr val="A31515"/>
+                </a:solidFill>
+                <a:highlight>
+                  <a:srgbClr val="FFFFFF"/>
+                </a:highlight>
+                <a:latin typeface="Consolas" panose="020B0609020204030204" pitchFamily="49" charset="0"/>
+              </a:rPr>
+              <a:t>"</a:t>
+            </a:r>
+            <a:r>
+              <a:rPr lang="nb-NO" sz="1400" dirty="0" smtClean="0">
+                <a:solidFill>
+                  <a:srgbClr val="000000"/>
+                </a:solidFill>
+                <a:highlight>
+                  <a:srgbClr val="FFFFFF"/>
+                </a:highlight>
+                <a:latin typeface="Consolas" panose="020B0609020204030204" pitchFamily="49" charset="0"/>
+              </a:rPr>
+              <a:t>)</a:t>
+            </a:r>
+          </a:p>
+          <a:p>
+            <a:r>
+              <a:rPr lang="nb-NO" sz="1400" dirty="0" smtClean="0">
+                <a:solidFill>
+                  <a:srgbClr val="000000"/>
+                </a:solidFill>
+                <a:highlight>
+                  <a:srgbClr val="FFFFFF"/>
+                </a:highlight>
+                <a:latin typeface="Consolas" panose="020B0609020204030204" pitchFamily="49" charset="0"/>
+              </a:rPr>
+              <a:t>				  	.FirstOrDefault(x =&gt; x.Department=</a:t>
+            </a:r>
+            <a:r>
+              <a:rPr lang="nb-NO" sz="1400" dirty="0">
+                <a:solidFill>
+                  <a:srgbClr val="A31515"/>
+                </a:solidFill>
+                <a:highlight>
+                  <a:srgbClr val="FFFFFF"/>
+                </a:highlight>
+                <a:latin typeface="Consolas" panose="020B0609020204030204" pitchFamily="49" charset="0"/>
+              </a:rPr>
+              <a:t>"</a:t>
+            </a:r>
+            <a:r>
+              <a:rPr lang="nb-NO" sz="1400" dirty="0" smtClean="0">
+                <a:solidFill>
+                  <a:srgbClr val="A31515"/>
+                </a:solidFill>
+                <a:highlight>
+                  <a:srgbClr val="FFFFFF"/>
+                </a:highlight>
+                <a:latin typeface="Consolas" panose="020B0609020204030204" pitchFamily="49" charset="0"/>
+              </a:rPr>
+              <a:t>SomeDepartment"</a:t>
+            </a:r>
+            <a:r>
+              <a:rPr lang="nb-NO" sz="1400" dirty="0" smtClean="0">
+                <a:solidFill>
+                  <a:srgbClr val="000000"/>
+                </a:solidFill>
+                <a:highlight>
+                  <a:srgbClr val="FFFFFF"/>
+                </a:highlight>
+                <a:latin typeface="Consolas" panose="020B0609020204030204" pitchFamily="49" charset="0"/>
+              </a:rPr>
+              <a:t>)</a:t>
+            </a:r>
+          </a:p>
+          <a:p>
+            <a:endParaRPr lang="en-US" sz="1400" dirty="0" smtClean="0">
+              <a:solidFill>
+                <a:srgbClr val="000000"/>
+              </a:solidFill>
+              <a:highlight>
+                <a:srgbClr val="FFFFFF"/>
+              </a:highlight>
+              <a:latin typeface="Consolas" panose="020B0609020204030204" pitchFamily="49" charset="0"/>
+            </a:endParaRPr>
+          </a:p>
+        </p:txBody>
+      </p:sp>
+    </p:spTree>
+    <p:extLst>
+      <p:ext uri="{BB962C8B-B14F-4D97-AF65-F5344CB8AC3E}">
+        <p14:creationId xmlns:p14="http://schemas.microsoft.com/office/powerpoint/2010/main" val="500251476"/>
+      </p:ext>
+    </p:extLst>
+  </p:cSld>
+  <p:clrMapOvr>
+    <a:masterClrMapping/>
+  </p:clrMapOvr>
+  <p:transition>
+    <p:fade thruBlk="1"/>
+  </p:transition>
+</p:sld>
+</file>
+
+<file path=ppt/slides/slide12.xml><?xml version="1.0" encoding="utf-8"?>
+<p:sld xmlns:a="http://schemas.openxmlformats.org/drawingml/2006/main" xmlns:r="http://schemas.openxmlformats.org/officeDocument/2006/relationships" xmlns:p="http://schemas.openxmlformats.org/presentationml/2006/main">
+  <p:cSld>
+    <p:spTree>
+      <p:nvGrpSpPr>
+        <p:cNvPr id="1" name=""/>
+        <p:cNvGrpSpPr/>
+        <p:nvPr/>
+      </p:nvGrpSpPr>
+      <p:grpSpPr>
+        <a:xfrm>
+          <a:off x="0" y="0"/>
+          <a:ext cx="0" cy="0"/>
+          <a:chOff x="0" y="0"/>
+          <a:chExt cx="0" cy="0"/>
+        </a:xfrm>
+      </p:grpSpPr>
+      <p:sp>
+        <p:nvSpPr>
+          <p:cNvPr id="2" name="Title 1"/>
+          <p:cNvSpPr>
+            <a:spLocks noGrp="1"/>
+          </p:cNvSpPr>
+          <p:nvPr>
+            <p:ph type="title"/>
+          </p:nvPr>
+        </p:nvSpPr>
+        <p:spPr>
+          <a:xfrm>
+            <a:off x="321623" y="418905"/>
+            <a:ext cx="1481175" cy="307777"/>
+          </a:xfrm>
+        </p:spPr>
+        <p:txBody>
+          <a:bodyPr/>
+          <a:lstStyle/>
+          <a:p>
+            <a:r>
+              <a:rPr lang="nb-NO" dirty="0" smtClean="0"/>
+              <a:t>exercise</a:t>
+            </a:r>
+            <a:endParaRPr lang="nb-NO" dirty="0"/>
+          </a:p>
+        </p:txBody>
+      </p:sp>
+      <p:sp>
+        <p:nvSpPr>
+          <p:cNvPr id="3" name="Slide Number Placeholder 2"/>
+          <p:cNvSpPr>
+            <a:spLocks noGrp="1"/>
+          </p:cNvSpPr>
+          <p:nvPr>
+            <p:ph type="sldNum" sz="quarter" idx="10"/>
+          </p:nvPr>
+        </p:nvSpPr>
+        <p:spPr/>
+        <p:txBody>
+          <a:bodyPr/>
+          <a:lstStyle/>
+          <a:p>
+            <a:fld id="{FF67BF5B-7344-D747-A0C2-CBD7B2ACBC85}" type="slidenum">
+              <a:rPr lang="en-US" smtClean="0"/>
+              <a:pPr/>
+              <a:t>12</a:t>
+            </a:fld>
+            <a:endParaRPr lang="en-US" dirty="0"/>
+          </a:p>
+        </p:txBody>
+      </p:sp>
+      <p:sp>
+        <p:nvSpPr>
+          <p:cNvPr id="5" name="TextBox 4"/>
+          <p:cNvSpPr txBox="1"/>
+          <p:nvPr/>
+        </p:nvSpPr>
+        <p:spPr>
+          <a:xfrm>
+            <a:off x="321623" y="1409700"/>
+            <a:ext cx="8416086" cy="4642296"/>
+          </a:xfrm>
+          <a:prstGeom prst="rect">
+            <a:avLst/>
+          </a:prstGeom>
+          <a:noFill/>
+        </p:spPr>
+        <p:txBody>
+          <a:bodyPr wrap="none" rtlCol="0">
+            <a:spAutoFit/>
+          </a:bodyPr>
+          <a:lstStyle/>
+          <a:p>
+            <a:pPr>
+              <a:spcBef>
+                <a:spcPts val="600"/>
+              </a:spcBef>
+              <a:spcAft>
+                <a:spcPts val="400"/>
+              </a:spcAft>
+            </a:pPr>
+            <a:r>
+              <a:rPr lang="nb-NO" sz="1700" dirty="0" smtClean="0"/>
+              <a:t>Use RavenDB to provide storage functionality for the very simple EmployeeOverview.</a:t>
+            </a:r>
+          </a:p>
+          <a:p>
+            <a:pPr>
+              <a:spcBef>
+                <a:spcPts val="600"/>
+              </a:spcBef>
+              <a:spcAft>
+                <a:spcPts val="400"/>
+              </a:spcAft>
+            </a:pPr>
+            <a:r>
+              <a:rPr lang="nb-NO" sz="1700" dirty="0" smtClean="0"/>
+              <a:t>The application should have the following abilities:</a:t>
+            </a:r>
+          </a:p>
+          <a:p>
+            <a:pPr>
+              <a:spcBef>
+                <a:spcPts val="600"/>
+              </a:spcBef>
+              <a:spcAft>
+                <a:spcPts val="400"/>
+              </a:spcAft>
+            </a:pPr>
+            <a:endParaRPr lang="nb-NO" sz="1700" dirty="0"/>
+          </a:p>
+          <a:p>
+            <a:pPr marL="285750" indent="-285750">
+              <a:spcBef>
+                <a:spcPts val="600"/>
+              </a:spcBef>
+              <a:spcAft>
+                <a:spcPts val="400"/>
+              </a:spcAft>
+              <a:buFont typeface="Wingdings" panose="05000000000000000000" pitchFamily="2" charset="2"/>
+              <a:buChar char="§"/>
+            </a:pPr>
+            <a:r>
+              <a:rPr lang="nb-NO" sz="1700" dirty="0" smtClean="0"/>
+              <a:t>Add new employee</a:t>
+            </a:r>
+          </a:p>
+          <a:p>
+            <a:pPr marL="285750" indent="-285750">
+              <a:spcBef>
+                <a:spcPts val="600"/>
+              </a:spcBef>
+              <a:spcAft>
+                <a:spcPts val="400"/>
+              </a:spcAft>
+              <a:buFont typeface="Wingdings" panose="05000000000000000000" pitchFamily="2" charset="2"/>
+              <a:buChar char="§"/>
+            </a:pPr>
+            <a:r>
+              <a:rPr lang="nb-NO" sz="1700" dirty="0" smtClean="0"/>
+              <a:t>List all employees for different departments</a:t>
+            </a:r>
+          </a:p>
+          <a:p>
+            <a:pPr marL="285750" indent="-285750">
+              <a:spcBef>
+                <a:spcPts val="600"/>
+              </a:spcBef>
+              <a:spcAft>
+                <a:spcPts val="400"/>
+              </a:spcAft>
+              <a:buFont typeface="Wingdings" panose="05000000000000000000" pitchFamily="2" charset="2"/>
+              <a:buChar char="§"/>
+            </a:pPr>
+            <a:r>
+              <a:rPr lang="nb-NO" sz="1700" dirty="0" smtClean="0"/>
+              <a:t>Delete an existing employee</a:t>
+            </a:r>
+          </a:p>
+          <a:p>
+            <a:pPr marL="285750" indent="-285750">
+              <a:spcBef>
+                <a:spcPts val="600"/>
+              </a:spcBef>
+              <a:spcAft>
+                <a:spcPts val="400"/>
+              </a:spcAft>
+              <a:buFont typeface="Wingdings" panose="05000000000000000000" pitchFamily="2" charset="2"/>
+              <a:buChar char="§"/>
+            </a:pPr>
+            <a:endParaRPr lang="nb-NO" sz="1700" dirty="0"/>
+          </a:p>
+          <a:p>
+            <a:pPr>
+              <a:spcBef>
+                <a:spcPts val="600"/>
+              </a:spcBef>
+              <a:spcAft>
+                <a:spcPts val="400"/>
+              </a:spcAft>
+            </a:pPr>
+            <a:r>
+              <a:rPr lang="nb-NO" sz="1700" dirty="0" smtClean="0"/>
+              <a:t>Clone repository found here: </a:t>
+            </a:r>
+          </a:p>
+          <a:p>
+            <a:pPr>
+              <a:spcBef>
+                <a:spcPts val="600"/>
+              </a:spcBef>
+              <a:spcAft>
+                <a:spcPts val="400"/>
+              </a:spcAft>
+            </a:pPr>
+            <a:endParaRPr lang="nb-NO" sz="1700" dirty="0" smtClean="0"/>
+          </a:p>
+          <a:p>
+            <a:pPr algn="ctr">
+              <a:spcBef>
+                <a:spcPts val="600"/>
+              </a:spcBef>
+              <a:spcAft>
+                <a:spcPts val="400"/>
+              </a:spcAft>
+            </a:pPr>
+            <a:r>
+              <a:rPr lang="nb-NO" sz="1700" b="1" dirty="0">
+                <a:hlinkClick r:id="rId2"/>
+              </a:rPr>
+              <a:t>https://</a:t>
+            </a:r>
+            <a:r>
+              <a:rPr lang="nb-NO" sz="1700" b="1" dirty="0" smtClean="0">
+                <a:hlinkClick r:id="rId2"/>
+              </a:rPr>
+              <a:t>github.com/espenekvang/Intro2Raven</a:t>
+            </a:r>
+            <a:endParaRPr lang="nb-NO" sz="1700" b="1" dirty="0" smtClean="0"/>
+          </a:p>
+          <a:p>
+            <a:pPr algn="ctr">
+              <a:spcBef>
+                <a:spcPts val="600"/>
+              </a:spcBef>
+              <a:spcAft>
+                <a:spcPts val="400"/>
+              </a:spcAft>
+            </a:pPr>
+            <a:endParaRPr lang="nb-NO" sz="1700" dirty="0"/>
+          </a:p>
+          <a:p>
+            <a:pPr>
+              <a:spcBef>
+                <a:spcPts val="600"/>
+              </a:spcBef>
+              <a:spcAft>
+                <a:spcPts val="400"/>
+              </a:spcAft>
+            </a:pPr>
+            <a:r>
+              <a:rPr lang="nb-NO" sz="1700" dirty="0" smtClean="0"/>
+              <a:t>See branch </a:t>
+            </a:r>
+            <a:r>
+              <a:rPr lang="nb-NO" sz="1700" i="1" dirty="0" smtClean="0"/>
+              <a:t>possible-solution</a:t>
+            </a:r>
+            <a:r>
+              <a:rPr lang="nb-NO" sz="1700" dirty="0" smtClean="0"/>
+              <a:t> for a simple solution to the exercise</a:t>
+            </a:r>
+            <a:endParaRPr lang="nb-NO" sz="1700" i="1" dirty="0"/>
+          </a:p>
+        </p:txBody>
+      </p:sp>
+    </p:spTree>
+    <p:extLst>
+      <p:ext uri="{BB962C8B-B14F-4D97-AF65-F5344CB8AC3E}">
+        <p14:creationId xmlns:p14="http://schemas.microsoft.com/office/powerpoint/2010/main" val="1289094640"/>
+      </p:ext>
+    </p:extLst>
+  </p:cSld>
+  <p:clrMapOvr>
+    <a:masterClrMapping/>
+  </p:clrMapOvr>
+  <p:transition>
+    <p:fade thruBlk="1"/>
+  </p:transition>
+</p:sld>
+</file>
+
+<file path=ppt/slides/slide13.xml><?xml version="1.0" encoding="utf-8"?>
+<p:sld xmlns:a="http://schemas.openxmlformats.org/drawingml/2006/main" xmlns:r="http://schemas.openxmlformats.org/officeDocument/2006/relationships" xmlns:p="http://schemas.openxmlformats.org/presentationml/2006/main">
+  <p:cSld>
+    <p:spTree>
+      <p:nvGrpSpPr>
+        <p:cNvPr id="1" name=""/>
+        <p:cNvGrpSpPr/>
+        <p:nvPr/>
+      </p:nvGrpSpPr>
+      <p:grpSpPr>
+        <a:xfrm>
+          <a:off x="0" y="0"/>
+          <a:ext cx="0" cy="0"/>
+          <a:chOff x="0" y="0"/>
+          <a:chExt cx="0" cy="0"/>
+        </a:xfrm>
+      </p:grpSpPr>
+      <p:sp>
+        <p:nvSpPr>
           <p:cNvPr id="5" name="Title 4"/>
           <p:cNvSpPr>
             <a:spLocks noGrp="1"/>
@@ -10342,7 +11717,7 @@
             <a:fld id="{FF67BF5B-7344-D747-A0C2-CBD7B2ACBC85}" type="slidenum">
               <a:rPr lang="en-US" smtClean="0"/>
               <a:pPr/>
-              <a:t>10</a:t>
+              <a:t>13</a:t>
             </a:fld>
             <a:endParaRPr lang="en-US" dirty="0"/>
           </a:p>
@@ -10979,11 +12354,7 @@
             </a:pPr>
             <a:r>
               <a:rPr lang="nb-NO" sz="1700" dirty="0" smtClean="0"/>
-              <a:t>Add Raven Client from </a:t>
-            </a:r>
-            <a:r>
-              <a:rPr lang="nb-NO" sz="1700" dirty="0" smtClean="0"/>
-              <a:t>Nuget (</a:t>
+              <a:t>Add Raven Client from Nuget (</a:t>
             </a:r>
             <a:r>
               <a:rPr lang="nb-NO" sz="1400" dirty="0">
@@ -11016,11 +12387,7 @@
             </a:pPr>
             <a:r>
               <a:rPr lang="nb-NO" sz="1700" dirty="0" smtClean="0"/>
-              <a:t>Add Raven Server from </a:t>
-            </a:r>
-            <a:r>
-              <a:rPr lang="nb-NO" sz="1700" dirty="0" smtClean="0"/>
-              <a:t>Nuget (</a:t>
+              <a:t>Add Raven Server from Nuget (</a:t>
             </a:r>
             <a:r>
               <a:rPr lang="nb-NO" sz="1400" dirty="0">
@@ -11032,7 +12399,6 @@
               <a:rPr lang="nb-NO" sz="1700" dirty="0" smtClean="0"/>
               <a:t>)</a:t>
             </a:r>
-            <a:endParaRPr lang="nb-NO" sz="1700" dirty="0" smtClean="0"/>
           </a:p>
           <a:p>
             <a:pPr marL="800100" lvl="1" indent="-342900">
@@ -11047,11 +12413,7 @@
             </a:pPr>
             <a:r>
               <a:rPr lang="nb-NO" sz="1600" dirty="0" smtClean="0"/>
-              <a:t>Start </a:t>
-            </a:r>
-            <a:r>
-              <a:rPr lang="nb-NO" sz="1600" dirty="0" smtClean="0"/>
-              <a:t>Raven server from: packages/Raven Server &lt;version&gt;/tools/Raven.Server.exe</a:t>
+              <a:t>Start Raven server from: packages/Raven Server &lt;version&gt;/tools/Raven.Server.exe</a:t>
             </a:r>
             <a:endParaRPr lang="nb-NO" sz="1600" dirty="0"/>
           </a:p>
@@ -12708,7 +14070,7 @@
         </p:nvSpPr>
         <p:spPr>
           <a:xfrm>
-            <a:off x="321623" y="1409700"/>
+            <a:off x="321623" y="990600"/>
             <a:ext cx="4892686" cy="1133644"/>
           </a:xfrm>
           <a:prstGeom prst="rect">
@@ -12817,7 +14179,7 @@
         <p:spPr>
           <a:xfrm>
             <a:off x="321623" y="418905"/>
-            <a:ext cx="1914307" cy="307777"/>
+            <a:ext cx="2034852" cy="307777"/>
           </a:xfrm>
         </p:spPr>
         <p:txBody>
@@ -12826,7 +14188,7 @@
           <a:p>
             <a:r>
               <a:rPr lang="nb-NO" dirty="0" smtClean="0"/>
-              <a:t>Assignment</a:t>
+              <a:t>Inline index</a:t>
             </a:r>
             <a:endParaRPr lang="nb-NO" dirty="0"/>
           </a:p>
@@ -12864,19 +14226,291 @@
         </p:nvSpPr>
         <p:spPr>
           <a:xfrm>
-            <a:off x="321623" y="1409700"/>
-            <a:ext cx="8416086" cy="3472746"/>
+            <a:off x="321624" y="1414700"/>
+            <a:ext cx="8409684" cy="1723549"/>
           </a:xfrm>
           <a:prstGeom prst="rect">
             <a:avLst/>
           </a:prstGeom>
           <a:noFill/>
+          <a:ln>
+            <a:solidFill>
+              <a:schemeClr val="accent1"/>
+            </a:solidFill>
+          </a:ln>
         </p:spPr>
         <p:txBody>
-          <a:bodyPr wrap="none" rtlCol="0">
+          <a:bodyPr wrap="square" rtlCol="0">
             <a:spAutoFit/>
           </a:bodyPr>
           <a:lstStyle/>
+          <a:p>
+            <a:r>
+              <a:rPr lang="nb-NO" sz="1400" dirty="0" smtClean="0">
+                <a:solidFill>
+                  <a:srgbClr val="000000"/>
+                </a:solidFill>
+                <a:highlight>
+                  <a:srgbClr val="FFFFFF"/>
+                </a:highlight>
+                <a:latin typeface="Consolas" panose="020B0609020204030204" pitchFamily="49" charset="0"/>
+              </a:rPr>
+              <a:t>DocumentStore.DatabaseCommands.PutIndex(</a:t>
+            </a:r>
+            <a:r>
+              <a:rPr lang="nb-NO" sz="1400" dirty="0">
+                <a:solidFill>
+                  <a:srgbClr val="A31515"/>
+                </a:solidFill>
+                <a:highlight>
+                  <a:srgbClr val="FFFFFF"/>
+                </a:highlight>
+                <a:latin typeface="Consolas" panose="020B0609020204030204" pitchFamily="49" charset="0"/>
+              </a:rPr>
+              <a:t>"</a:t>
+            </a:r>
+            <a:r>
+              <a:rPr lang="nb-NO" sz="1400" dirty="0" smtClean="0">
+                <a:solidFill>
+                  <a:srgbClr val="A31515"/>
+                </a:solidFill>
+                <a:highlight>
+                  <a:srgbClr val="FFFFFF"/>
+                </a:highlight>
+                <a:latin typeface="Consolas" panose="020B0609020204030204" pitchFamily="49" charset="0"/>
+              </a:rPr>
+              <a:t>Employees/ByDepartmentName"</a:t>
+            </a:r>
+            <a:r>
+              <a:rPr lang="nb-NO" sz="1400" dirty="0" smtClean="0">
+                <a:solidFill>
+                  <a:srgbClr val="000000"/>
+                </a:solidFill>
+                <a:highlight>
+                  <a:srgbClr val="FFFFFF"/>
+                </a:highlight>
+                <a:latin typeface="Consolas" panose="020B0609020204030204" pitchFamily="49" charset="0"/>
+              </a:rPr>
+              <a:t>,</a:t>
+            </a:r>
+            <a:endParaRPr lang="nb-NO" sz="1400" dirty="0">
+              <a:solidFill>
+                <a:srgbClr val="000000"/>
+              </a:solidFill>
+              <a:highlight>
+                <a:srgbClr val="FFFFFF"/>
+              </a:highlight>
+              <a:latin typeface="Consolas" panose="020B0609020204030204" pitchFamily="49" charset="0"/>
+            </a:endParaRPr>
+          </a:p>
+          <a:p>
+            <a:r>
+              <a:rPr lang="nb-NO" sz="1400" dirty="0">
+                <a:solidFill>
+                  <a:srgbClr val="000000"/>
+                </a:solidFill>
+                <a:highlight>
+                  <a:srgbClr val="FFFFFF"/>
+                </a:highlight>
+                <a:latin typeface="Consolas" panose="020B0609020204030204" pitchFamily="49" charset="0"/>
+              </a:rPr>
+              <a:t>                </a:t>
+            </a:r>
+            <a:r>
+              <a:rPr lang="nb-NO" sz="1400" dirty="0">
+                <a:solidFill>
+                  <a:srgbClr val="0000FF"/>
+                </a:solidFill>
+                <a:highlight>
+                  <a:srgbClr val="FFFFFF"/>
+                </a:highlight>
+                <a:latin typeface="Consolas" panose="020B0609020204030204" pitchFamily="49" charset="0"/>
+              </a:rPr>
+              <a:t>new</a:t>
+            </a:r>
+            <a:r>
+              <a:rPr lang="nb-NO" sz="1400" dirty="0">
+                <a:solidFill>
+                  <a:srgbClr val="000000"/>
+                </a:solidFill>
+                <a:highlight>
+                  <a:srgbClr val="FFFFFF"/>
+                </a:highlight>
+                <a:latin typeface="Consolas" panose="020B0609020204030204" pitchFamily="49" charset="0"/>
+              </a:rPr>
+              <a:t> </a:t>
+            </a:r>
+            <a:r>
+              <a:rPr lang="nb-NO" sz="1400" dirty="0" smtClean="0">
+                <a:solidFill>
+                  <a:srgbClr val="2B91AF"/>
+                </a:solidFill>
+                <a:highlight>
+                  <a:srgbClr val="FFFFFF"/>
+                </a:highlight>
+                <a:latin typeface="Consolas" panose="020B0609020204030204" pitchFamily="49" charset="0"/>
+              </a:rPr>
+              <a:t>IndexDefinitionBuilder</a:t>
+            </a:r>
+            <a:r>
+              <a:rPr lang="nb-NO" sz="1400" dirty="0" smtClean="0">
+                <a:solidFill>
+                  <a:srgbClr val="000000"/>
+                </a:solidFill>
+                <a:highlight>
+                  <a:srgbClr val="FFFFFF"/>
+                </a:highlight>
+                <a:latin typeface="Consolas" panose="020B0609020204030204" pitchFamily="49" charset="0"/>
+              </a:rPr>
+              <a:t>&lt;</a:t>
+            </a:r>
+            <a:r>
+              <a:rPr lang="nb-NO" sz="1400" dirty="0" smtClean="0">
+                <a:solidFill>
+                  <a:srgbClr val="2B91AF"/>
+                </a:solidFill>
+                <a:highlight>
+                  <a:srgbClr val="FFFFFF"/>
+                </a:highlight>
+                <a:latin typeface="Consolas" panose="020B0609020204030204" pitchFamily="49" charset="0"/>
+              </a:rPr>
+              <a:t>Employee</a:t>
+            </a:r>
+            <a:r>
+              <a:rPr lang="nb-NO" sz="1400" dirty="0">
+                <a:solidFill>
+                  <a:srgbClr val="000000"/>
+                </a:solidFill>
+                <a:highlight>
+                  <a:srgbClr val="FFFFFF"/>
+                </a:highlight>
+                <a:latin typeface="Consolas" panose="020B0609020204030204" pitchFamily="49" charset="0"/>
+              </a:rPr>
+              <a:t>, </a:t>
+            </a:r>
+            <a:r>
+              <a:rPr lang="nb-NO" sz="1400" dirty="0" smtClean="0">
+                <a:solidFill>
+                  <a:srgbClr val="2B91AF"/>
+                </a:solidFill>
+                <a:highlight>
+                  <a:srgbClr val="FFFFFF"/>
+                </a:highlight>
+                <a:latin typeface="Consolas" panose="020B0609020204030204" pitchFamily="49" charset="0"/>
+              </a:rPr>
+              <a:t>EmployeesByDepartment</a:t>
+            </a:r>
+            <a:r>
+              <a:rPr lang="nb-NO" sz="1400" dirty="0">
+                <a:solidFill>
+                  <a:srgbClr val="000000"/>
+                </a:solidFill>
+                <a:highlight>
+                  <a:srgbClr val="FFFFFF"/>
+                </a:highlight>
+                <a:latin typeface="Consolas" panose="020B0609020204030204" pitchFamily="49" charset="0"/>
+              </a:rPr>
+              <a:t>&gt;</a:t>
+            </a:r>
+          </a:p>
+          <a:p>
+            <a:r>
+              <a:rPr lang="nb-NO" sz="1400" dirty="0">
+                <a:solidFill>
+                  <a:srgbClr val="000000"/>
+                </a:solidFill>
+                <a:highlight>
+                  <a:srgbClr val="FFFFFF"/>
+                </a:highlight>
+                <a:latin typeface="Consolas" panose="020B0609020204030204" pitchFamily="49" charset="0"/>
+              </a:rPr>
+              <a:t>                {</a:t>
+            </a:r>
+          </a:p>
+          <a:p>
+            <a:r>
+              <a:rPr lang="nb-NO" sz="1400" dirty="0">
+                <a:solidFill>
+                  <a:srgbClr val="000000"/>
+                </a:solidFill>
+                <a:highlight>
+                  <a:srgbClr val="FFFFFF"/>
+                </a:highlight>
+                <a:latin typeface="Consolas" panose="020B0609020204030204" pitchFamily="49" charset="0"/>
+              </a:rPr>
+              <a:t>                    Map = </a:t>
+            </a:r>
+            <a:r>
+              <a:rPr lang="nb-NO" sz="1400" dirty="0" smtClean="0">
+                <a:solidFill>
+                  <a:srgbClr val="000000"/>
+                </a:solidFill>
+                <a:highlight>
+                  <a:srgbClr val="FFFFFF"/>
+                </a:highlight>
+                <a:latin typeface="Consolas" panose="020B0609020204030204" pitchFamily="49" charset="0"/>
+              </a:rPr>
+              <a:t>&lt;map function goes here using LINQ&gt;,</a:t>
+            </a:r>
+            <a:endParaRPr lang="nb-NO" sz="1400" dirty="0">
+              <a:solidFill>
+                <a:srgbClr val="000000"/>
+              </a:solidFill>
+              <a:highlight>
+                <a:srgbClr val="FFFFFF"/>
+              </a:highlight>
+              <a:latin typeface="Consolas" panose="020B0609020204030204" pitchFamily="49" charset="0"/>
+            </a:endParaRPr>
+          </a:p>
+          <a:p>
+            <a:r>
+              <a:rPr lang="nb-NO" sz="1400" dirty="0">
+                <a:solidFill>
+                  <a:srgbClr val="000000"/>
+                </a:solidFill>
+                <a:highlight>
+                  <a:srgbClr val="FFFFFF"/>
+                </a:highlight>
+                <a:latin typeface="Consolas" panose="020B0609020204030204" pitchFamily="49" charset="0"/>
+              </a:rPr>
+              <a:t>                    Reduce = </a:t>
+            </a:r>
+            <a:r>
+              <a:rPr lang="nb-NO" sz="1400" dirty="0" smtClean="0">
+                <a:solidFill>
+                  <a:srgbClr val="000000"/>
+                </a:solidFill>
+                <a:highlight>
+                  <a:srgbClr val="FFFFFF"/>
+                </a:highlight>
+                <a:latin typeface="Consolas" panose="020B0609020204030204" pitchFamily="49" charset="0"/>
+              </a:rPr>
+              <a:t>&lt;reduce function goes here using LINQ&gt;</a:t>
+            </a:r>
+            <a:endParaRPr lang="nb-NO" sz="1400" dirty="0">
+              <a:solidFill>
+                <a:srgbClr val="000000"/>
+              </a:solidFill>
+              <a:highlight>
+                <a:srgbClr val="FFFFFF"/>
+              </a:highlight>
+              <a:latin typeface="Consolas" panose="020B0609020204030204" pitchFamily="49" charset="0"/>
+            </a:endParaRPr>
+          </a:p>
+          <a:p>
+            <a:r>
+              <a:rPr lang="nb-NO" sz="1400" dirty="0">
+                <a:solidFill>
+                  <a:srgbClr val="000000"/>
+                </a:solidFill>
+                <a:highlight>
+                  <a:srgbClr val="FFFFFF"/>
+                </a:highlight>
+                <a:latin typeface="Consolas" panose="020B0609020204030204" pitchFamily="49" charset="0"/>
+              </a:rPr>
+              <a:t>                });</a:t>
+            </a:r>
+          </a:p>
           <a:p>
             <a:pPr>
               <a:spcBef>
@@ -12886,133 +14520,14 @@
                 <a:spcPts val="400"/>
               </a:spcAft>
             </a:pPr>
-            <a:r>
-              <a:rPr lang="nb-NO" sz="1700" dirty="0" smtClean="0"/>
-              <a:t>Use RavenDB to provide storage functionality for the very simple EmployeeOverview.</a:t>
-            </a:r>
-          </a:p>
-          <a:p>
-            <a:pPr>
-              <a:spcBef>
-                <a:spcPts val="600"/>
-              </a:spcBef>
-              <a:spcAft>
-                <a:spcPts val="400"/>
-              </a:spcAft>
-            </a:pPr>
-            <a:r>
-              <a:rPr lang="nb-NO" sz="1700" dirty="0" smtClean="0"/>
-              <a:t>The application should have the following abilities:</a:t>
-            </a:r>
-          </a:p>
-          <a:p>
-            <a:pPr>
-              <a:spcBef>
-                <a:spcPts val="600"/>
-              </a:spcBef>
-              <a:spcAft>
-                <a:spcPts val="400"/>
-              </a:spcAft>
-            </a:pPr>
-            <a:endParaRPr lang="nb-NO" sz="1700" dirty="0"/>
-          </a:p>
-          <a:p>
-            <a:pPr marL="285750" indent="-285750">
-              <a:spcBef>
-                <a:spcPts val="600"/>
-              </a:spcBef>
-              <a:spcAft>
-                <a:spcPts val="400"/>
-              </a:spcAft>
-              <a:buFont typeface="Wingdings" panose="05000000000000000000" pitchFamily="2" charset="2"/>
-              <a:buChar char="§"/>
-            </a:pPr>
-            <a:r>
-              <a:rPr lang="nb-NO" sz="1700" dirty="0" smtClean="0"/>
-              <a:t>Add new employee</a:t>
-            </a:r>
-          </a:p>
-          <a:p>
-            <a:pPr marL="285750" indent="-285750">
-              <a:spcBef>
-                <a:spcPts val="600"/>
-              </a:spcBef>
-              <a:spcAft>
-                <a:spcPts val="400"/>
-              </a:spcAft>
-              <a:buFont typeface="Wingdings" panose="05000000000000000000" pitchFamily="2" charset="2"/>
-              <a:buChar char="§"/>
-            </a:pPr>
-            <a:r>
-              <a:rPr lang="nb-NO" sz="1700" dirty="0" smtClean="0"/>
-              <a:t>Delete an existing employee</a:t>
-            </a:r>
-          </a:p>
-          <a:p>
-            <a:pPr marL="285750" indent="-285750">
-              <a:spcBef>
-                <a:spcPts val="600"/>
-              </a:spcBef>
-              <a:spcAft>
-                <a:spcPts val="400"/>
-              </a:spcAft>
-              <a:buFont typeface="Wingdings" panose="05000000000000000000" pitchFamily="2" charset="2"/>
-              <a:buChar char="§"/>
-            </a:pPr>
-            <a:r>
-              <a:rPr lang="nb-NO" sz="1700" dirty="0" smtClean="0"/>
-              <a:t>Find employee by name (hint: create index)</a:t>
-            </a:r>
-          </a:p>
-          <a:p>
-            <a:pPr marL="285750" indent="-285750">
-              <a:spcBef>
-                <a:spcPts val="600"/>
-              </a:spcBef>
-              <a:spcAft>
-                <a:spcPts val="400"/>
-              </a:spcAft>
-              <a:buFont typeface="Wingdings" panose="05000000000000000000" pitchFamily="2" charset="2"/>
-              <a:buChar char="§"/>
-            </a:pPr>
-            <a:r>
-              <a:rPr lang="nb-NO" sz="1700" dirty="0" smtClean="0"/>
-              <a:t>Find employee by department (hint: create index)</a:t>
-            </a:r>
-          </a:p>
-          <a:p>
-            <a:pPr marL="285750" indent="-285750">
-              <a:spcBef>
-                <a:spcPts val="600"/>
-              </a:spcBef>
-              <a:spcAft>
-                <a:spcPts val="400"/>
-              </a:spcAft>
-              <a:buFont typeface="Wingdings" panose="05000000000000000000" pitchFamily="2" charset="2"/>
-              <a:buChar char="§"/>
-            </a:pPr>
-            <a:endParaRPr lang="nb-NO" sz="1700" dirty="0"/>
-          </a:p>
-          <a:p>
-            <a:pPr>
-              <a:spcBef>
-                <a:spcPts val="600"/>
-              </a:spcBef>
-              <a:spcAft>
-                <a:spcPts val="400"/>
-              </a:spcAft>
-            </a:pPr>
-            <a:r>
-              <a:rPr lang="nb-NO" sz="1700" dirty="0" smtClean="0"/>
-              <a:t>Clone repository found here: </a:t>
-            </a:r>
+            <a:endParaRPr lang="nb-NO" sz="1700" dirty="0" err="1" smtClean="0"/>
           </a:p>
         </p:txBody>
       </p:sp>
     </p:spTree>
     <p:extLst>
       <p:ext uri="{BB962C8B-B14F-4D97-AF65-F5344CB8AC3E}">
-        <p14:creationId xmlns:p14="http://schemas.microsoft.com/office/powerpoint/2010/main" val="1289094640"/>
+        <p14:creationId xmlns:p14="http://schemas.microsoft.com/office/powerpoint/2010/main" val="4124443357"/>
       </p:ext>
     </p:extLst>
   </p:cSld>
